--- a/第三次提交物-未命名小组/第3次汇报-未命名小组.pptx
+++ b/第三次提交物-未命名小组/第3次汇报-未命名小组.pptx
@@ -19,11 +19,12 @@
     <p:sldId id="262" r:id="rId13"/>
     <p:sldId id="269" r:id="rId14"/>
     <p:sldId id="270" r:id="rId15"/>
-    <p:sldId id="266" r:id="rId16"/>
-    <p:sldId id="276" r:id="rId17"/>
-    <p:sldId id="267" r:id="rId18"/>
-    <p:sldId id="271" r:id="rId19"/>
-    <p:sldId id="268" r:id="rId20"/>
+    <p:sldId id="278" r:id="rId16"/>
+    <p:sldId id="266" r:id="rId17"/>
+    <p:sldId id="276" r:id="rId18"/>
+    <p:sldId id="267" r:id="rId19"/>
+    <p:sldId id="271" r:id="rId20"/>
+    <p:sldId id="268" r:id="rId21"/>
   </p:sldIdLst>
   <p:sldSz cx="12192000" cy="6858000"/>
   <p:notesSz cx="6858000" cy="9144000"/>
@@ -227,6 +228,9 @@
   <p:clrMapOvr>
     <a:masterClrMapping/>
   </p:clrMapOvr>
+  <p:transition spd="med">
+    <p:cover/>
+  </p:transition>
 </p:sldLayout>
 </file>
 
@@ -425,6 +429,9 @@
   <p:clrMapOvr>
     <a:masterClrMapping/>
   </p:clrMapOvr>
+  <p:transition spd="med">
+    <p:cover/>
+  </p:transition>
 </p:sldLayout>
 </file>
 
@@ -633,6 +640,9 @@
   <p:clrMapOvr>
     <a:masterClrMapping/>
   </p:clrMapOvr>
+  <p:transition spd="med">
+    <p:cover/>
+  </p:transition>
 </p:sldLayout>
 </file>
 
@@ -663,18 +673,9 @@
   <p:clrMapOvr>
     <a:masterClrMapping/>
   </p:clrMapOvr>
-  <mc:AlternateContent xmlns:mc="http://schemas.openxmlformats.org/markup-compatibility/2006" xmlns:p14="http://schemas.microsoft.com/office/powerpoint/2010/main">
-    <mc:Choice Requires="p14">
-      <p:transition spd="slow" p14:dur="2000" advClick="0" advTm="3000">
-        <p:randomBar dir="vert"/>
-      </p:transition>
-    </mc:Choice>
-    <mc:Fallback xmlns="">
-      <p:transition spd="slow" advClick="0" advTm="3000">
-        <p:randomBar dir="vert"/>
-      </p:transition>
-    </mc:Fallback>
-  </mc:AlternateContent>
+  <p:transition spd="med">
+    <p:cover/>
+  </p:transition>
 </p:sldLayout>
 </file>
 
@@ -895,6 +896,9 @@
   <p:clrMapOvr>
     <a:masterClrMapping/>
   </p:clrMapOvr>
+  <p:transition spd="med">
+    <p:cover/>
+  </p:transition>
 </p:sldLayout>
 </file>
 
@@ -1093,6 +1097,9 @@
   <p:clrMapOvr>
     <a:masterClrMapping/>
   </p:clrMapOvr>
+  <p:transition spd="med">
+    <p:cover/>
+  </p:transition>
 </p:sldLayout>
 </file>
 
@@ -1317,6 +1324,9 @@
   <p:clrMapOvr>
     <a:masterClrMapping/>
   </p:clrMapOvr>
+  <p:transition spd="med">
+    <p:cover/>
+  </p:transition>
 </p:sldLayout>
 </file>
 
@@ -1519,6 +1529,9 @@
   <p:clrMapOvr>
     <a:masterClrMapping/>
   </p:clrMapOvr>
+  <p:transition spd="med">
+    <p:cover/>
+  </p:transition>
 </p:sldLayout>
 </file>
 
@@ -1797,6 +1810,9 @@
   <p:clrMapOvr>
     <a:masterClrMapping/>
   </p:clrMapOvr>
+  <p:transition spd="med">
+    <p:cover/>
+  </p:transition>
 </p:sldLayout>
 </file>
 
@@ -2061,6 +2077,9 @@
   <p:clrMapOvr>
     <a:masterClrMapping/>
   </p:clrMapOvr>
+  <p:transition spd="med">
+    <p:cover/>
+  </p:transition>
 </p:sldLayout>
 </file>
 
@@ -2460,6 +2479,9 @@
   <p:clrMapOvr>
     <a:masterClrMapping/>
   </p:clrMapOvr>
+  <p:transition spd="med">
+    <p:cover/>
+  </p:transition>
 </p:sldLayout>
 </file>
 
@@ -2490,6 +2512,9 @@
   <p:clrMapOvr>
     <a:masterClrMapping/>
   </p:clrMapOvr>
+  <p:transition spd="med">
+    <p:cover/>
+  </p:transition>
 </p:sldLayout>
 </file>
 
@@ -2640,6 +2665,9 @@
   <p:clrMapOvr>
     <a:masterClrMapping/>
   </p:clrMapOvr>
+  <p:transition spd="med">
+    <p:cover/>
+  </p:transition>
 </p:sldLayout>
 </file>
 
@@ -2767,6 +2795,9 @@
   <p:clrMapOvr>
     <a:masterClrMapping/>
   </p:clrMapOvr>
+  <p:transition spd="med">
+    <p:cover/>
+  </p:transition>
 </p:sldLayout>
 </file>
 
@@ -3076,6 +3107,9 @@
   <p:clrMapOvr>
     <a:masterClrMapping/>
   </p:clrMapOvr>
+  <p:transition spd="med">
+    <p:cover/>
+  </p:transition>
 </p:sldLayout>
 </file>
 
@@ -3365,6 +3399,9 @@
   <p:clrMapOvr>
     <a:masterClrMapping/>
   </p:clrMapOvr>
+  <p:transition spd="med">
+    <p:cover/>
+  </p:transition>
 </p:sldLayout>
 </file>
 
@@ -3567,6 +3604,9 @@
   <p:clrMapOvr>
     <a:masterClrMapping/>
   </p:clrMapOvr>
+  <p:transition spd="med">
+    <p:cover/>
+  </p:transition>
 </p:sldLayout>
 </file>
 
@@ -3779,6 +3819,9 @@
   <p:clrMapOvr>
     <a:masterClrMapping/>
   </p:clrMapOvr>
+  <p:transition spd="med">
+    <p:cover/>
+  </p:transition>
 </p:sldLayout>
 </file>
 
@@ -3809,6 +3852,9 @@
   <p:clrMapOvr>
     <a:masterClrMapping/>
   </p:clrMapOvr>
+  <p:transition spd="med">
+    <p:cover/>
+  </p:transition>
 </p:sldLayout>
 </file>
 
@@ -4074,6 +4120,9 @@
   <p:clrMapOvr>
     <a:masterClrMapping/>
   </p:clrMapOvr>
+  <p:transition spd="med">
+    <p:cover/>
+  </p:transition>
 </p:sldLayout>
 </file>
 
@@ -4486,6 +4535,9 @@
   <p:clrMapOvr>
     <a:masterClrMapping/>
   </p:clrMapOvr>
+  <p:transition spd="med">
+    <p:cover/>
+  </p:transition>
 </p:sldLayout>
 </file>
 
@@ -4627,6 +4679,9 @@
   <p:clrMapOvr>
     <a:masterClrMapping/>
   </p:clrMapOvr>
+  <p:transition spd="med">
+    <p:cover/>
+  </p:transition>
 </p:sldLayout>
 </file>
 
@@ -4740,6 +4795,9 @@
   <p:clrMapOvr>
     <a:masterClrMapping/>
   </p:clrMapOvr>
+  <p:transition spd="med">
+    <p:cover/>
+  </p:transition>
 </p:sldLayout>
 </file>
 
@@ -5051,6 +5109,9 @@
   <p:clrMapOvr>
     <a:masterClrMapping/>
   </p:clrMapOvr>
+  <p:transition spd="med">
+    <p:cover/>
+  </p:transition>
 </p:sldLayout>
 </file>
 
@@ -5342,6 +5403,9 @@
   <p:clrMapOvr>
     <a:masterClrMapping/>
   </p:clrMapOvr>
+  <p:transition spd="med">
+    <p:cover/>
+  </p:transition>
 </p:sldLayout>
 </file>
 
@@ -5647,6 +5711,9 @@
     <p:sldLayoutId id="2147483673" r:id="rId13"/>
     <p:sldLayoutId id="2147483674" r:id="rId14"/>
   </p:sldLayoutIdLst>
+  <p:transition spd="med">
+    <p:cover/>
+  </p:transition>
   <p:txStyles>
     <p:titleStyle>
       <a:lvl1pPr algn="l" defTabSz="914400" rtl="0" eaLnBrk="1" latinLnBrk="0" hangingPunct="1">
@@ -6219,6 +6286,9 @@
     <p:sldLayoutId id="2147483685" r:id="rId10"/>
     <p:sldLayoutId id="2147483686" r:id="rId11"/>
   </p:sldLayoutIdLst>
+  <p:transition spd="med">
+    <p:cover/>
+  </p:transition>
   <p:txStyles>
     <p:titleStyle>
       <a:lvl1pPr algn="l" defTabSz="914400" rtl="0" eaLnBrk="1" latinLnBrk="0" hangingPunct="1">
@@ -7294,6 +7364,9 @@
   <p:clrMapOvr>
     <a:masterClrMapping/>
   </p:clrMapOvr>
+  <p:transition spd="med">
+    <p:cover/>
+  </p:transition>
 </p:sld>
 </file>
 
@@ -8109,6 +8182,9 @@
   <p:clrMapOvr>
     <a:masterClrMapping/>
   </p:clrMapOvr>
+  <p:transition spd="med">
+    <p:cover/>
+  </p:transition>
 </p:sld>
 </file>
 
@@ -8407,6 +8483,9 @@
   <p:clrMapOvr>
     <a:masterClrMapping/>
   </p:clrMapOvr>
+  <p:transition spd="med">
+    <p:cover/>
+  </p:transition>
 </p:sld>
 </file>
 
@@ -10373,6 +10452,9 @@
   <p:clrMapOvr>
     <a:masterClrMapping/>
   </p:clrMapOvr>
+  <p:transition spd="med">
+    <p:cover/>
+  </p:transition>
 </p:sld>
 </file>
 
@@ -13235,6 +13317,9 @@
   <p:clrMapOvr>
     <a:masterClrMapping/>
   </p:clrMapOvr>
+  <p:transition spd="med">
+    <p:cover/>
+  </p:transition>
 </p:sld>
 </file>
 
@@ -13255,12 +13340,42 @@
           <a:chExt cx="0" cy="0"/>
         </a:xfrm>
       </p:grpSpPr>
+      <p:pic>
+        <p:nvPicPr>
+          <p:cNvPr id="4" name="图片 3">
+            <a:extLst>
+              <a:ext uri="{FF2B5EF4-FFF2-40B4-BE49-F238E27FC236}">
+                <a16:creationId xmlns:a16="http://schemas.microsoft.com/office/drawing/2014/main" id="{434868EA-8F57-483E-8911-BD27FA61D0E3}"/>
+              </a:ext>
+            </a:extLst>
+          </p:cNvPr>
+          <p:cNvPicPr>
+            <a:picLocks noChangeAspect="1"/>
+          </p:cNvPicPr>
+          <p:nvPr/>
+        </p:nvPicPr>
+        <p:blipFill>
+          <a:blip r:embed="rId2"/>
+          <a:stretch>
+            <a:fillRect/>
+          </a:stretch>
+        </p:blipFill>
+        <p:spPr>
+          <a:xfrm>
+            <a:off x="3637885" y="1122760"/>
+            <a:ext cx="7787401" cy="5208134"/>
+          </a:xfrm>
+          <a:prstGeom prst="rect">
+            <a:avLst/>
+          </a:prstGeom>
+        </p:spPr>
+      </p:pic>
       <p:sp>
         <p:nvSpPr>
-          <p:cNvPr id="19" name="矩形 18">
+          <p:cNvPr id="6" name="矩形 5">
             <a:extLst>
               <a:ext uri="{FF2B5EF4-FFF2-40B4-BE49-F238E27FC236}">
-                <a16:creationId xmlns:a16="http://schemas.microsoft.com/office/drawing/2014/main" id="{783A1148-BF1B-4FD3-810B-EA85863D47A8}"/>
+                <a16:creationId xmlns:a16="http://schemas.microsoft.com/office/drawing/2014/main" id="{FDEA4EA9-ECDD-46FF-9F32-9566A3913F2B}"/>
               </a:ext>
             </a:extLst>
           </p:cNvPr>
@@ -13439,6 +13554,1099 @@
       </p:sp>
       <p:sp>
         <p:nvSpPr>
+          <p:cNvPr id="12" name="矩形 11">
+            <a:extLst>
+              <a:ext uri="{FF2B5EF4-FFF2-40B4-BE49-F238E27FC236}">
+                <a16:creationId xmlns:a16="http://schemas.microsoft.com/office/drawing/2014/main" id="{04CC2463-5174-4BA8-BF91-FAFED1340492}"/>
+              </a:ext>
+            </a:extLst>
+          </p:cNvPr>
+          <p:cNvSpPr/>
+          <p:nvPr/>
+        </p:nvSpPr>
+        <p:spPr>
+          <a:xfrm rot="2700000">
+            <a:off x="4496212" y="363533"/>
+            <a:ext cx="461671" cy="461671"/>
+          </a:xfrm>
+          <a:prstGeom prst="rect">
+            <a:avLst/>
+          </a:prstGeom>
+          <a:solidFill>
+            <a:schemeClr val="accent1"/>
+          </a:solidFill>
+          <a:ln>
+            <a:noFill/>
+          </a:ln>
+          <a:effectLst>
+            <a:outerShdw blurRad="63500" algn="ctr" rotWithShape="0">
+              <a:prstClr val="black">
+                <a:alpha val="40000"/>
+              </a:prstClr>
+            </a:outerShdw>
+          </a:effectLst>
+        </p:spPr>
+        <p:style>
+          <a:lnRef idx="2">
+            <a:schemeClr val="accent1">
+              <a:shade val="50000"/>
+            </a:schemeClr>
+          </a:lnRef>
+          <a:fillRef idx="1">
+            <a:schemeClr val="accent1"/>
+          </a:fillRef>
+          <a:effectRef idx="0">
+            <a:schemeClr val="accent1"/>
+          </a:effectRef>
+          <a:fontRef idx="minor">
+            <a:schemeClr val="lt1"/>
+          </a:fontRef>
+        </p:style>
+        <p:txBody>
+          <a:bodyPr rtlCol="0" anchor="ctr"/>
+          <a:lstStyle>
+            <a:defPPr>
+              <a:defRPr lang="zh-CN"/>
+            </a:defPPr>
+            <a:lvl1pPr marL="0" algn="l" defTabSz="914400" rtl="0" eaLnBrk="1" latinLnBrk="0" hangingPunct="1">
+              <a:defRPr sz="1800" kern="1200">
+                <a:solidFill>
+                  <a:schemeClr val="lt1"/>
+                </a:solidFill>
+                <a:latin typeface="+mn-lt"/>
+                <a:ea typeface="+mn-ea"/>
+                <a:cs typeface="+mn-cs"/>
+              </a:defRPr>
+            </a:lvl1pPr>
+            <a:lvl2pPr marL="457200" algn="l" defTabSz="914400" rtl="0" eaLnBrk="1" latinLnBrk="0" hangingPunct="1">
+              <a:defRPr sz="1800" kern="1200">
+                <a:solidFill>
+                  <a:schemeClr val="lt1"/>
+                </a:solidFill>
+                <a:latin typeface="+mn-lt"/>
+                <a:ea typeface="+mn-ea"/>
+                <a:cs typeface="+mn-cs"/>
+              </a:defRPr>
+            </a:lvl2pPr>
+            <a:lvl3pPr marL="914400" algn="l" defTabSz="914400" rtl="0" eaLnBrk="1" latinLnBrk="0" hangingPunct="1">
+              <a:defRPr sz="1800" kern="1200">
+                <a:solidFill>
+                  <a:schemeClr val="lt1"/>
+                </a:solidFill>
+                <a:latin typeface="+mn-lt"/>
+                <a:ea typeface="+mn-ea"/>
+                <a:cs typeface="+mn-cs"/>
+              </a:defRPr>
+            </a:lvl3pPr>
+            <a:lvl4pPr marL="1371600" algn="l" defTabSz="914400" rtl="0" eaLnBrk="1" latinLnBrk="0" hangingPunct="1">
+              <a:defRPr sz="1800" kern="1200">
+                <a:solidFill>
+                  <a:schemeClr val="lt1"/>
+                </a:solidFill>
+                <a:latin typeface="+mn-lt"/>
+                <a:ea typeface="+mn-ea"/>
+                <a:cs typeface="+mn-cs"/>
+              </a:defRPr>
+            </a:lvl4pPr>
+            <a:lvl5pPr marL="1828800" algn="l" defTabSz="914400" rtl="0" eaLnBrk="1" latinLnBrk="0" hangingPunct="1">
+              <a:defRPr sz="1800" kern="1200">
+                <a:solidFill>
+                  <a:schemeClr val="lt1"/>
+                </a:solidFill>
+                <a:latin typeface="+mn-lt"/>
+                <a:ea typeface="+mn-ea"/>
+                <a:cs typeface="+mn-cs"/>
+              </a:defRPr>
+            </a:lvl5pPr>
+            <a:lvl6pPr marL="2286000" algn="l" defTabSz="914400" rtl="0" eaLnBrk="1" latinLnBrk="0" hangingPunct="1">
+              <a:defRPr sz="1800" kern="1200">
+                <a:solidFill>
+                  <a:schemeClr val="lt1"/>
+                </a:solidFill>
+                <a:latin typeface="+mn-lt"/>
+                <a:ea typeface="+mn-ea"/>
+                <a:cs typeface="+mn-cs"/>
+              </a:defRPr>
+            </a:lvl6pPr>
+            <a:lvl7pPr marL="2743200" algn="l" defTabSz="914400" rtl="0" eaLnBrk="1" latinLnBrk="0" hangingPunct="1">
+              <a:defRPr sz="1800" kern="1200">
+                <a:solidFill>
+                  <a:schemeClr val="lt1"/>
+                </a:solidFill>
+                <a:latin typeface="+mn-lt"/>
+                <a:ea typeface="+mn-ea"/>
+                <a:cs typeface="+mn-cs"/>
+              </a:defRPr>
+            </a:lvl7pPr>
+            <a:lvl8pPr marL="3200400" algn="l" defTabSz="914400" rtl="0" eaLnBrk="1" latinLnBrk="0" hangingPunct="1">
+              <a:defRPr sz="1800" kern="1200">
+                <a:solidFill>
+                  <a:schemeClr val="lt1"/>
+                </a:solidFill>
+                <a:latin typeface="+mn-lt"/>
+                <a:ea typeface="+mn-ea"/>
+                <a:cs typeface="+mn-cs"/>
+              </a:defRPr>
+            </a:lvl8pPr>
+            <a:lvl9pPr marL="3657600" algn="l" defTabSz="914400" rtl="0" eaLnBrk="1" latinLnBrk="0" hangingPunct="1">
+              <a:defRPr sz="1800" kern="1200">
+                <a:solidFill>
+                  <a:schemeClr val="lt1"/>
+                </a:solidFill>
+                <a:latin typeface="+mn-lt"/>
+                <a:ea typeface="+mn-ea"/>
+                <a:cs typeface="+mn-cs"/>
+              </a:defRPr>
+            </a:lvl9pPr>
+          </a:lstStyle>
+          <a:p>
+            <a:pPr marL="0" marR="0" lvl="0" indent="0" algn="ctr" defTabSz="914400" rtl="0" eaLnBrk="1" fontAlgn="auto" latinLnBrk="0" hangingPunct="1">
+              <a:lnSpc>
+                <a:spcPct val="100000"/>
+              </a:lnSpc>
+              <a:spcBef>
+                <a:spcPts val="0"/>
+              </a:spcBef>
+              <a:spcAft>
+                <a:spcPts val="0"/>
+              </a:spcAft>
+              <a:buClrTx/>
+              <a:buSzTx/>
+              <a:buFontTx/>
+              <a:buNone/>
+              <a:tabLst/>
+              <a:defRPr/>
+            </a:pPr>
+            <a:endParaRPr kumimoji="0" lang="zh-CN" altLang="en-US" sz="1351" b="0" i="0" u="none" strike="noStrike" kern="1200" cap="none" spc="0" normalizeH="0" baseline="0" noProof="0" dirty="0">
+              <a:ln>
+                <a:noFill/>
+              </a:ln>
+              <a:solidFill>
+                <a:prstClr val="white"/>
+              </a:solidFill>
+              <a:effectLst/>
+              <a:uLnTx/>
+              <a:uFillTx/>
+              <a:latin typeface="微软雅黑" panose="020B0503020204020204" pitchFamily="34" charset="-122"/>
+              <a:ea typeface="微软雅黑" panose="020B0503020204020204" pitchFamily="34" charset="-122"/>
+              <a:sym typeface="FZHei-B01S" panose="02010601030101010101" pitchFamily="2" charset="-122"/>
+            </a:endParaRPr>
+          </a:p>
+        </p:txBody>
+      </p:sp>
+      <p:sp>
+        <p:nvSpPr>
+          <p:cNvPr id="14" name="矩形 13">
+            <a:extLst>
+              <a:ext uri="{FF2B5EF4-FFF2-40B4-BE49-F238E27FC236}">
+                <a16:creationId xmlns:a16="http://schemas.microsoft.com/office/drawing/2014/main" id="{FC94FA9D-C631-4DAE-A0B2-D573CE6C46ED}"/>
+              </a:ext>
+            </a:extLst>
+          </p:cNvPr>
+          <p:cNvSpPr/>
+          <p:nvPr/>
+        </p:nvSpPr>
+        <p:spPr>
+          <a:xfrm rot="2700000">
+            <a:off x="2883409" y="1332302"/>
+            <a:ext cx="384187" cy="384187"/>
+          </a:xfrm>
+          <a:prstGeom prst="rect">
+            <a:avLst/>
+          </a:prstGeom>
+          <a:solidFill>
+            <a:schemeClr val="accent1"/>
+          </a:solidFill>
+          <a:ln>
+            <a:noFill/>
+          </a:ln>
+          <a:effectLst>
+            <a:outerShdw blurRad="63500" algn="ctr" rotWithShape="0">
+              <a:prstClr val="black">
+                <a:alpha val="40000"/>
+              </a:prstClr>
+            </a:outerShdw>
+          </a:effectLst>
+        </p:spPr>
+        <p:style>
+          <a:lnRef idx="2">
+            <a:schemeClr val="accent1">
+              <a:shade val="50000"/>
+            </a:schemeClr>
+          </a:lnRef>
+          <a:fillRef idx="1">
+            <a:schemeClr val="accent1"/>
+          </a:fillRef>
+          <a:effectRef idx="0">
+            <a:schemeClr val="accent1"/>
+          </a:effectRef>
+          <a:fontRef idx="minor">
+            <a:schemeClr val="lt1"/>
+          </a:fontRef>
+        </p:style>
+        <p:txBody>
+          <a:bodyPr rtlCol="0" anchor="ctr"/>
+          <a:lstStyle>
+            <a:defPPr>
+              <a:defRPr lang="zh-CN"/>
+            </a:defPPr>
+            <a:lvl1pPr marL="0" algn="l" defTabSz="914400" rtl="0" eaLnBrk="1" latinLnBrk="0" hangingPunct="1">
+              <a:defRPr sz="1800" kern="1200">
+                <a:solidFill>
+                  <a:schemeClr val="lt1"/>
+                </a:solidFill>
+                <a:latin typeface="+mn-lt"/>
+                <a:ea typeface="+mn-ea"/>
+                <a:cs typeface="+mn-cs"/>
+              </a:defRPr>
+            </a:lvl1pPr>
+            <a:lvl2pPr marL="457200" algn="l" defTabSz="914400" rtl="0" eaLnBrk="1" latinLnBrk="0" hangingPunct="1">
+              <a:defRPr sz="1800" kern="1200">
+                <a:solidFill>
+                  <a:schemeClr val="lt1"/>
+                </a:solidFill>
+                <a:latin typeface="+mn-lt"/>
+                <a:ea typeface="+mn-ea"/>
+                <a:cs typeface="+mn-cs"/>
+              </a:defRPr>
+            </a:lvl2pPr>
+            <a:lvl3pPr marL="914400" algn="l" defTabSz="914400" rtl="0" eaLnBrk="1" latinLnBrk="0" hangingPunct="1">
+              <a:defRPr sz="1800" kern="1200">
+                <a:solidFill>
+                  <a:schemeClr val="lt1"/>
+                </a:solidFill>
+                <a:latin typeface="+mn-lt"/>
+                <a:ea typeface="+mn-ea"/>
+                <a:cs typeface="+mn-cs"/>
+              </a:defRPr>
+            </a:lvl3pPr>
+            <a:lvl4pPr marL="1371600" algn="l" defTabSz="914400" rtl="0" eaLnBrk="1" latinLnBrk="0" hangingPunct="1">
+              <a:defRPr sz="1800" kern="1200">
+                <a:solidFill>
+                  <a:schemeClr val="lt1"/>
+                </a:solidFill>
+                <a:latin typeface="+mn-lt"/>
+                <a:ea typeface="+mn-ea"/>
+                <a:cs typeface="+mn-cs"/>
+              </a:defRPr>
+            </a:lvl4pPr>
+            <a:lvl5pPr marL="1828800" algn="l" defTabSz="914400" rtl="0" eaLnBrk="1" latinLnBrk="0" hangingPunct="1">
+              <a:defRPr sz="1800" kern="1200">
+                <a:solidFill>
+                  <a:schemeClr val="lt1"/>
+                </a:solidFill>
+                <a:latin typeface="+mn-lt"/>
+                <a:ea typeface="+mn-ea"/>
+                <a:cs typeface="+mn-cs"/>
+              </a:defRPr>
+            </a:lvl5pPr>
+            <a:lvl6pPr marL="2286000" algn="l" defTabSz="914400" rtl="0" eaLnBrk="1" latinLnBrk="0" hangingPunct="1">
+              <a:defRPr sz="1800" kern="1200">
+                <a:solidFill>
+                  <a:schemeClr val="lt1"/>
+                </a:solidFill>
+                <a:latin typeface="+mn-lt"/>
+                <a:ea typeface="+mn-ea"/>
+                <a:cs typeface="+mn-cs"/>
+              </a:defRPr>
+            </a:lvl6pPr>
+            <a:lvl7pPr marL="2743200" algn="l" defTabSz="914400" rtl="0" eaLnBrk="1" latinLnBrk="0" hangingPunct="1">
+              <a:defRPr sz="1800" kern="1200">
+                <a:solidFill>
+                  <a:schemeClr val="lt1"/>
+                </a:solidFill>
+                <a:latin typeface="+mn-lt"/>
+                <a:ea typeface="+mn-ea"/>
+                <a:cs typeface="+mn-cs"/>
+              </a:defRPr>
+            </a:lvl7pPr>
+            <a:lvl8pPr marL="3200400" algn="l" defTabSz="914400" rtl="0" eaLnBrk="1" latinLnBrk="0" hangingPunct="1">
+              <a:defRPr sz="1800" kern="1200">
+                <a:solidFill>
+                  <a:schemeClr val="lt1"/>
+                </a:solidFill>
+                <a:latin typeface="+mn-lt"/>
+                <a:ea typeface="+mn-ea"/>
+                <a:cs typeface="+mn-cs"/>
+              </a:defRPr>
+            </a:lvl8pPr>
+            <a:lvl9pPr marL="3657600" algn="l" defTabSz="914400" rtl="0" eaLnBrk="1" latinLnBrk="0" hangingPunct="1">
+              <a:defRPr sz="1800" kern="1200">
+                <a:solidFill>
+                  <a:schemeClr val="lt1"/>
+                </a:solidFill>
+                <a:latin typeface="+mn-lt"/>
+                <a:ea typeface="+mn-ea"/>
+                <a:cs typeface="+mn-cs"/>
+              </a:defRPr>
+            </a:lvl9pPr>
+          </a:lstStyle>
+          <a:p>
+            <a:pPr marL="0" marR="0" lvl="0" indent="0" algn="ctr" defTabSz="914400" rtl="0" eaLnBrk="1" fontAlgn="auto" latinLnBrk="0" hangingPunct="1">
+              <a:lnSpc>
+                <a:spcPct val="100000"/>
+              </a:lnSpc>
+              <a:spcBef>
+                <a:spcPts val="0"/>
+              </a:spcBef>
+              <a:spcAft>
+                <a:spcPts val="0"/>
+              </a:spcAft>
+              <a:buClrTx/>
+              <a:buSzTx/>
+              <a:buFontTx/>
+              <a:buNone/>
+              <a:tabLst/>
+              <a:defRPr/>
+            </a:pPr>
+            <a:endParaRPr kumimoji="0" lang="zh-CN" altLang="en-US" sz="1351" b="0" i="0" u="none" strike="noStrike" kern="1200" cap="none" spc="0" normalizeH="0" baseline="0" noProof="0" dirty="0">
+              <a:ln>
+                <a:noFill/>
+              </a:ln>
+              <a:solidFill>
+                <a:prstClr val="white"/>
+              </a:solidFill>
+              <a:effectLst/>
+              <a:uLnTx/>
+              <a:uFillTx/>
+              <a:latin typeface="微软雅黑" panose="020B0503020204020204" pitchFamily="34" charset="-122"/>
+              <a:ea typeface="微软雅黑" panose="020B0503020204020204" pitchFamily="34" charset="-122"/>
+              <a:sym typeface="FZHei-B01S" panose="02010601030101010101" pitchFamily="2" charset="-122"/>
+            </a:endParaRPr>
+          </a:p>
+        </p:txBody>
+      </p:sp>
+      <p:sp>
+        <p:nvSpPr>
+          <p:cNvPr id="18" name="矩形 17">
+            <a:extLst>
+              <a:ext uri="{FF2B5EF4-FFF2-40B4-BE49-F238E27FC236}">
+                <a16:creationId xmlns:a16="http://schemas.microsoft.com/office/drawing/2014/main" id="{2FF6CB8C-EC5F-4AF6-A710-687287DE3D63}"/>
+              </a:ext>
+            </a:extLst>
+          </p:cNvPr>
+          <p:cNvSpPr/>
+          <p:nvPr/>
+        </p:nvSpPr>
+        <p:spPr>
+          <a:xfrm rot="2700000">
+            <a:off x="3136054" y="5365345"/>
+            <a:ext cx="292365" cy="292365"/>
+          </a:xfrm>
+          <a:prstGeom prst="rect">
+            <a:avLst/>
+          </a:prstGeom>
+          <a:solidFill>
+            <a:schemeClr val="accent2"/>
+          </a:solidFill>
+          <a:ln>
+            <a:noFill/>
+          </a:ln>
+          <a:effectLst>
+            <a:outerShdw blurRad="63500" algn="ctr" rotWithShape="0">
+              <a:prstClr val="black">
+                <a:alpha val="40000"/>
+              </a:prstClr>
+            </a:outerShdw>
+          </a:effectLst>
+        </p:spPr>
+        <p:style>
+          <a:lnRef idx="2">
+            <a:schemeClr val="accent1">
+              <a:shade val="50000"/>
+            </a:schemeClr>
+          </a:lnRef>
+          <a:fillRef idx="1">
+            <a:schemeClr val="accent1"/>
+          </a:fillRef>
+          <a:effectRef idx="0">
+            <a:schemeClr val="accent1"/>
+          </a:effectRef>
+          <a:fontRef idx="minor">
+            <a:schemeClr val="lt1"/>
+          </a:fontRef>
+        </p:style>
+        <p:txBody>
+          <a:bodyPr rtlCol="0" anchor="ctr"/>
+          <a:lstStyle>
+            <a:defPPr>
+              <a:defRPr lang="zh-CN"/>
+            </a:defPPr>
+            <a:lvl1pPr marL="0" algn="l" defTabSz="914400" rtl="0" eaLnBrk="1" latinLnBrk="0" hangingPunct="1">
+              <a:defRPr sz="1800" kern="1200">
+                <a:solidFill>
+                  <a:schemeClr val="lt1"/>
+                </a:solidFill>
+                <a:latin typeface="+mn-lt"/>
+                <a:ea typeface="+mn-ea"/>
+                <a:cs typeface="+mn-cs"/>
+              </a:defRPr>
+            </a:lvl1pPr>
+            <a:lvl2pPr marL="457200" algn="l" defTabSz="914400" rtl="0" eaLnBrk="1" latinLnBrk="0" hangingPunct="1">
+              <a:defRPr sz="1800" kern="1200">
+                <a:solidFill>
+                  <a:schemeClr val="lt1"/>
+                </a:solidFill>
+                <a:latin typeface="+mn-lt"/>
+                <a:ea typeface="+mn-ea"/>
+                <a:cs typeface="+mn-cs"/>
+              </a:defRPr>
+            </a:lvl2pPr>
+            <a:lvl3pPr marL="914400" algn="l" defTabSz="914400" rtl="0" eaLnBrk="1" latinLnBrk="0" hangingPunct="1">
+              <a:defRPr sz="1800" kern="1200">
+                <a:solidFill>
+                  <a:schemeClr val="lt1"/>
+                </a:solidFill>
+                <a:latin typeface="+mn-lt"/>
+                <a:ea typeface="+mn-ea"/>
+                <a:cs typeface="+mn-cs"/>
+              </a:defRPr>
+            </a:lvl3pPr>
+            <a:lvl4pPr marL="1371600" algn="l" defTabSz="914400" rtl="0" eaLnBrk="1" latinLnBrk="0" hangingPunct="1">
+              <a:defRPr sz="1800" kern="1200">
+                <a:solidFill>
+                  <a:schemeClr val="lt1"/>
+                </a:solidFill>
+                <a:latin typeface="+mn-lt"/>
+                <a:ea typeface="+mn-ea"/>
+                <a:cs typeface="+mn-cs"/>
+              </a:defRPr>
+            </a:lvl4pPr>
+            <a:lvl5pPr marL="1828800" algn="l" defTabSz="914400" rtl="0" eaLnBrk="1" latinLnBrk="0" hangingPunct="1">
+              <a:defRPr sz="1800" kern="1200">
+                <a:solidFill>
+                  <a:schemeClr val="lt1"/>
+                </a:solidFill>
+                <a:latin typeface="+mn-lt"/>
+                <a:ea typeface="+mn-ea"/>
+                <a:cs typeface="+mn-cs"/>
+              </a:defRPr>
+            </a:lvl5pPr>
+            <a:lvl6pPr marL="2286000" algn="l" defTabSz="914400" rtl="0" eaLnBrk="1" latinLnBrk="0" hangingPunct="1">
+              <a:defRPr sz="1800" kern="1200">
+                <a:solidFill>
+                  <a:schemeClr val="lt1"/>
+                </a:solidFill>
+                <a:latin typeface="+mn-lt"/>
+                <a:ea typeface="+mn-ea"/>
+                <a:cs typeface="+mn-cs"/>
+              </a:defRPr>
+            </a:lvl6pPr>
+            <a:lvl7pPr marL="2743200" algn="l" defTabSz="914400" rtl="0" eaLnBrk="1" latinLnBrk="0" hangingPunct="1">
+              <a:defRPr sz="1800" kern="1200">
+                <a:solidFill>
+                  <a:schemeClr val="lt1"/>
+                </a:solidFill>
+                <a:latin typeface="+mn-lt"/>
+                <a:ea typeface="+mn-ea"/>
+                <a:cs typeface="+mn-cs"/>
+              </a:defRPr>
+            </a:lvl7pPr>
+            <a:lvl8pPr marL="3200400" algn="l" defTabSz="914400" rtl="0" eaLnBrk="1" latinLnBrk="0" hangingPunct="1">
+              <a:defRPr sz="1800" kern="1200">
+                <a:solidFill>
+                  <a:schemeClr val="lt1"/>
+                </a:solidFill>
+                <a:latin typeface="+mn-lt"/>
+                <a:ea typeface="+mn-ea"/>
+                <a:cs typeface="+mn-cs"/>
+              </a:defRPr>
+            </a:lvl8pPr>
+            <a:lvl9pPr marL="3657600" algn="l" defTabSz="914400" rtl="0" eaLnBrk="1" latinLnBrk="0" hangingPunct="1">
+              <a:defRPr sz="1800" kern="1200">
+                <a:solidFill>
+                  <a:schemeClr val="lt1"/>
+                </a:solidFill>
+                <a:latin typeface="+mn-lt"/>
+                <a:ea typeface="+mn-ea"/>
+                <a:cs typeface="+mn-cs"/>
+              </a:defRPr>
+            </a:lvl9pPr>
+          </a:lstStyle>
+          <a:p>
+            <a:pPr marL="0" marR="0" lvl="0" indent="0" algn="ctr" defTabSz="914400" rtl="0" eaLnBrk="1" fontAlgn="auto" latinLnBrk="0" hangingPunct="1">
+              <a:lnSpc>
+                <a:spcPct val="100000"/>
+              </a:lnSpc>
+              <a:spcBef>
+                <a:spcPts val="0"/>
+              </a:spcBef>
+              <a:spcAft>
+                <a:spcPts val="0"/>
+              </a:spcAft>
+              <a:buClrTx/>
+              <a:buSzTx/>
+              <a:buFontTx/>
+              <a:buNone/>
+              <a:tabLst/>
+              <a:defRPr/>
+            </a:pPr>
+            <a:endParaRPr kumimoji="0" lang="zh-CN" altLang="en-US" sz="1351" b="0" i="0" u="none" strike="noStrike" kern="1200" cap="none" spc="0" normalizeH="0" baseline="0" noProof="0" dirty="0">
+              <a:ln>
+                <a:noFill/>
+              </a:ln>
+              <a:solidFill>
+                <a:prstClr val="white"/>
+              </a:solidFill>
+              <a:effectLst/>
+              <a:uLnTx/>
+              <a:uFillTx/>
+              <a:latin typeface="微软雅黑" panose="020B0503020204020204" pitchFamily="34" charset="-122"/>
+              <a:ea typeface="微软雅黑" panose="020B0503020204020204" pitchFamily="34" charset="-122"/>
+              <a:sym typeface="FZHei-B01S" panose="02010601030101010101" pitchFamily="2" charset="-122"/>
+            </a:endParaRPr>
+          </a:p>
+        </p:txBody>
+      </p:sp>
+      <p:sp>
+        <p:nvSpPr>
+          <p:cNvPr id="24" name="矩形 23">
+            <a:extLst>
+              <a:ext uri="{FF2B5EF4-FFF2-40B4-BE49-F238E27FC236}">
+                <a16:creationId xmlns:a16="http://schemas.microsoft.com/office/drawing/2014/main" id="{A20D80BB-41A1-4522-A21F-B7FBA297ED46}"/>
+              </a:ext>
+            </a:extLst>
+          </p:cNvPr>
+          <p:cNvSpPr/>
+          <p:nvPr/>
+        </p:nvSpPr>
+        <p:spPr>
+          <a:xfrm rot="2700000">
+            <a:off x="10910622" y="2423382"/>
+            <a:ext cx="351351" cy="351351"/>
+          </a:xfrm>
+          <a:prstGeom prst="rect">
+            <a:avLst/>
+          </a:prstGeom>
+          <a:solidFill>
+            <a:schemeClr val="accent2"/>
+          </a:solidFill>
+          <a:ln>
+            <a:noFill/>
+          </a:ln>
+          <a:effectLst>
+            <a:outerShdw blurRad="63500" algn="ctr" rotWithShape="0">
+              <a:prstClr val="black">
+                <a:alpha val="40000"/>
+              </a:prstClr>
+            </a:outerShdw>
+          </a:effectLst>
+        </p:spPr>
+        <p:style>
+          <a:lnRef idx="2">
+            <a:schemeClr val="accent1">
+              <a:shade val="50000"/>
+            </a:schemeClr>
+          </a:lnRef>
+          <a:fillRef idx="1">
+            <a:schemeClr val="accent1"/>
+          </a:fillRef>
+          <a:effectRef idx="0">
+            <a:schemeClr val="accent1"/>
+          </a:effectRef>
+          <a:fontRef idx="minor">
+            <a:schemeClr val="lt1"/>
+          </a:fontRef>
+        </p:style>
+        <p:txBody>
+          <a:bodyPr rtlCol="0" anchor="ctr"/>
+          <a:lstStyle>
+            <a:defPPr>
+              <a:defRPr lang="zh-CN"/>
+            </a:defPPr>
+            <a:lvl1pPr marL="0" algn="l" defTabSz="914400" rtl="0" eaLnBrk="1" latinLnBrk="0" hangingPunct="1">
+              <a:defRPr sz="1800" kern="1200">
+                <a:solidFill>
+                  <a:schemeClr val="lt1"/>
+                </a:solidFill>
+                <a:latin typeface="+mn-lt"/>
+                <a:ea typeface="+mn-ea"/>
+                <a:cs typeface="+mn-cs"/>
+              </a:defRPr>
+            </a:lvl1pPr>
+            <a:lvl2pPr marL="457200" algn="l" defTabSz="914400" rtl="0" eaLnBrk="1" latinLnBrk="0" hangingPunct="1">
+              <a:defRPr sz="1800" kern="1200">
+                <a:solidFill>
+                  <a:schemeClr val="lt1"/>
+                </a:solidFill>
+                <a:latin typeface="+mn-lt"/>
+                <a:ea typeface="+mn-ea"/>
+                <a:cs typeface="+mn-cs"/>
+              </a:defRPr>
+            </a:lvl2pPr>
+            <a:lvl3pPr marL="914400" algn="l" defTabSz="914400" rtl="0" eaLnBrk="1" latinLnBrk="0" hangingPunct="1">
+              <a:defRPr sz="1800" kern="1200">
+                <a:solidFill>
+                  <a:schemeClr val="lt1"/>
+                </a:solidFill>
+                <a:latin typeface="+mn-lt"/>
+                <a:ea typeface="+mn-ea"/>
+                <a:cs typeface="+mn-cs"/>
+              </a:defRPr>
+            </a:lvl3pPr>
+            <a:lvl4pPr marL="1371600" algn="l" defTabSz="914400" rtl="0" eaLnBrk="1" latinLnBrk="0" hangingPunct="1">
+              <a:defRPr sz="1800" kern="1200">
+                <a:solidFill>
+                  <a:schemeClr val="lt1"/>
+                </a:solidFill>
+                <a:latin typeface="+mn-lt"/>
+                <a:ea typeface="+mn-ea"/>
+                <a:cs typeface="+mn-cs"/>
+              </a:defRPr>
+            </a:lvl4pPr>
+            <a:lvl5pPr marL="1828800" algn="l" defTabSz="914400" rtl="0" eaLnBrk="1" latinLnBrk="0" hangingPunct="1">
+              <a:defRPr sz="1800" kern="1200">
+                <a:solidFill>
+                  <a:schemeClr val="lt1"/>
+                </a:solidFill>
+                <a:latin typeface="+mn-lt"/>
+                <a:ea typeface="+mn-ea"/>
+                <a:cs typeface="+mn-cs"/>
+              </a:defRPr>
+            </a:lvl5pPr>
+            <a:lvl6pPr marL="2286000" algn="l" defTabSz="914400" rtl="0" eaLnBrk="1" latinLnBrk="0" hangingPunct="1">
+              <a:defRPr sz="1800" kern="1200">
+                <a:solidFill>
+                  <a:schemeClr val="lt1"/>
+                </a:solidFill>
+                <a:latin typeface="+mn-lt"/>
+                <a:ea typeface="+mn-ea"/>
+                <a:cs typeface="+mn-cs"/>
+              </a:defRPr>
+            </a:lvl6pPr>
+            <a:lvl7pPr marL="2743200" algn="l" defTabSz="914400" rtl="0" eaLnBrk="1" latinLnBrk="0" hangingPunct="1">
+              <a:defRPr sz="1800" kern="1200">
+                <a:solidFill>
+                  <a:schemeClr val="lt1"/>
+                </a:solidFill>
+                <a:latin typeface="+mn-lt"/>
+                <a:ea typeface="+mn-ea"/>
+                <a:cs typeface="+mn-cs"/>
+              </a:defRPr>
+            </a:lvl7pPr>
+            <a:lvl8pPr marL="3200400" algn="l" defTabSz="914400" rtl="0" eaLnBrk="1" latinLnBrk="0" hangingPunct="1">
+              <a:defRPr sz="1800" kern="1200">
+                <a:solidFill>
+                  <a:schemeClr val="lt1"/>
+                </a:solidFill>
+                <a:latin typeface="+mn-lt"/>
+                <a:ea typeface="+mn-ea"/>
+                <a:cs typeface="+mn-cs"/>
+              </a:defRPr>
+            </a:lvl8pPr>
+            <a:lvl9pPr marL="3657600" algn="l" defTabSz="914400" rtl="0" eaLnBrk="1" latinLnBrk="0" hangingPunct="1">
+              <a:defRPr sz="1800" kern="1200">
+                <a:solidFill>
+                  <a:schemeClr val="lt1"/>
+                </a:solidFill>
+                <a:latin typeface="+mn-lt"/>
+                <a:ea typeface="+mn-ea"/>
+                <a:cs typeface="+mn-cs"/>
+              </a:defRPr>
+            </a:lvl9pPr>
+          </a:lstStyle>
+          <a:p>
+            <a:pPr marL="0" marR="0" lvl="0" indent="0" algn="ctr" defTabSz="914400" rtl="0" eaLnBrk="1" fontAlgn="auto" latinLnBrk="0" hangingPunct="1">
+              <a:lnSpc>
+                <a:spcPct val="100000"/>
+              </a:lnSpc>
+              <a:spcBef>
+                <a:spcPts val="0"/>
+              </a:spcBef>
+              <a:spcAft>
+                <a:spcPts val="0"/>
+              </a:spcAft>
+              <a:buClrTx/>
+              <a:buSzTx/>
+              <a:buFontTx/>
+              <a:buNone/>
+              <a:tabLst/>
+              <a:defRPr/>
+            </a:pPr>
+            <a:endParaRPr kumimoji="0" lang="zh-CN" altLang="en-US" sz="1351" b="0" i="0" u="none" strike="noStrike" kern="1200" cap="none" spc="0" normalizeH="0" baseline="0" noProof="0" dirty="0">
+              <a:ln>
+                <a:noFill/>
+              </a:ln>
+              <a:solidFill>
+                <a:prstClr val="white"/>
+              </a:solidFill>
+              <a:effectLst/>
+              <a:uLnTx/>
+              <a:uFillTx/>
+              <a:latin typeface="微软雅黑" panose="020B0503020204020204" pitchFamily="34" charset="-122"/>
+              <a:ea typeface="微软雅黑" panose="020B0503020204020204" pitchFamily="34" charset="-122"/>
+              <a:sym typeface="FZHei-B01S" panose="02010601030101010101" pitchFamily="2" charset="-122"/>
+            </a:endParaRPr>
+          </a:p>
+        </p:txBody>
+      </p:sp>
+      <p:sp>
+        <p:nvSpPr>
+          <p:cNvPr id="26" name="文本框 26">
+            <a:extLst>
+              <a:ext uri="{FF2B5EF4-FFF2-40B4-BE49-F238E27FC236}">
+                <a16:creationId xmlns:a16="http://schemas.microsoft.com/office/drawing/2014/main" id="{4CBAACEE-BAB2-48E4-BC69-B54F26502D8C}"/>
+              </a:ext>
+            </a:extLst>
+          </p:cNvPr>
+          <p:cNvSpPr txBox="1"/>
+          <p:nvPr/>
+        </p:nvSpPr>
+        <p:spPr>
+          <a:xfrm>
+            <a:off x="217370" y="469884"/>
+            <a:ext cx="2220481" cy="1862048"/>
+          </a:xfrm>
+          <a:prstGeom prst="rect">
+            <a:avLst/>
+          </a:prstGeom>
+          <a:noFill/>
+          <a:effectLst/>
+        </p:spPr>
+        <p:txBody>
+          <a:bodyPr wrap="none" rtlCol="0">
+            <a:spAutoFit/>
+          </a:bodyPr>
+          <a:lstStyle>
+            <a:defPPr>
+              <a:defRPr lang="zh-CN"/>
+            </a:defPPr>
+            <a:lvl1pPr marL="0" algn="l" defTabSz="914400" rtl="0" eaLnBrk="1" latinLnBrk="0" hangingPunct="1">
+              <a:defRPr sz="1800" kern="1200">
+                <a:solidFill>
+                  <a:schemeClr val="tx1"/>
+                </a:solidFill>
+                <a:latin typeface="+mn-lt"/>
+                <a:ea typeface="+mn-ea"/>
+                <a:cs typeface="+mn-cs"/>
+              </a:defRPr>
+            </a:lvl1pPr>
+            <a:lvl2pPr marL="457200" algn="l" defTabSz="914400" rtl="0" eaLnBrk="1" latinLnBrk="0" hangingPunct="1">
+              <a:defRPr sz="1800" kern="1200">
+                <a:solidFill>
+                  <a:schemeClr val="tx1"/>
+                </a:solidFill>
+                <a:latin typeface="+mn-lt"/>
+                <a:ea typeface="+mn-ea"/>
+                <a:cs typeface="+mn-cs"/>
+              </a:defRPr>
+            </a:lvl2pPr>
+            <a:lvl3pPr marL="914400" algn="l" defTabSz="914400" rtl="0" eaLnBrk="1" latinLnBrk="0" hangingPunct="1">
+              <a:defRPr sz="1800" kern="1200">
+                <a:solidFill>
+                  <a:schemeClr val="tx1"/>
+                </a:solidFill>
+                <a:latin typeface="+mn-lt"/>
+                <a:ea typeface="+mn-ea"/>
+                <a:cs typeface="+mn-cs"/>
+              </a:defRPr>
+            </a:lvl3pPr>
+            <a:lvl4pPr marL="1371600" algn="l" defTabSz="914400" rtl="0" eaLnBrk="1" latinLnBrk="0" hangingPunct="1">
+              <a:defRPr sz="1800" kern="1200">
+                <a:solidFill>
+                  <a:schemeClr val="tx1"/>
+                </a:solidFill>
+                <a:latin typeface="+mn-lt"/>
+                <a:ea typeface="+mn-ea"/>
+                <a:cs typeface="+mn-cs"/>
+              </a:defRPr>
+            </a:lvl4pPr>
+            <a:lvl5pPr marL="1828800" algn="l" defTabSz="914400" rtl="0" eaLnBrk="1" latinLnBrk="0" hangingPunct="1">
+              <a:defRPr sz="1800" kern="1200">
+                <a:solidFill>
+                  <a:schemeClr val="tx1"/>
+                </a:solidFill>
+                <a:latin typeface="+mn-lt"/>
+                <a:ea typeface="+mn-ea"/>
+                <a:cs typeface="+mn-cs"/>
+              </a:defRPr>
+            </a:lvl5pPr>
+            <a:lvl6pPr marL="2286000" algn="l" defTabSz="914400" rtl="0" eaLnBrk="1" latinLnBrk="0" hangingPunct="1">
+              <a:defRPr sz="1800" kern="1200">
+                <a:solidFill>
+                  <a:schemeClr val="tx1"/>
+                </a:solidFill>
+                <a:latin typeface="+mn-lt"/>
+                <a:ea typeface="+mn-ea"/>
+                <a:cs typeface="+mn-cs"/>
+              </a:defRPr>
+            </a:lvl6pPr>
+            <a:lvl7pPr marL="2743200" algn="l" defTabSz="914400" rtl="0" eaLnBrk="1" latinLnBrk="0" hangingPunct="1">
+              <a:defRPr sz="1800" kern="1200">
+                <a:solidFill>
+                  <a:schemeClr val="tx1"/>
+                </a:solidFill>
+                <a:latin typeface="+mn-lt"/>
+                <a:ea typeface="+mn-ea"/>
+                <a:cs typeface="+mn-cs"/>
+              </a:defRPr>
+            </a:lvl7pPr>
+            <a:lvl8pPr marL="3200400" algn="l" defTabSz="914400" rtl="0" eaLnBrk="1" latinLnBrk="0" hangingPunct="1">
+              <a:defRPr sz="1800" kern="1200">
+                <a:solidFill>
+                  <a:schemeClr val="tx1"/>
+                </a:solidFill>
+                <a:latin typeface="+mn-lt"/>
+                <a:ea typeface="+mn-ea"/>
+                <a:cs typeface="+mn-cs"/>
+              </a:defRPr>
+            </a:lvl8pPr>
+            <a:lvl9pPr marL="3657600" algn="l" defTabSz="914400" rtl="0" eaLnBrk="1" latinLnBrk="0" hangingPunct="1">
+              <a:defRPr sz="1800" kern="1200">
+                <a:solidFill>
+                  <a:schemeClr val="tx1"/>
+                </a:solidFill>
+                <a:latin typeface="+mn-lt"/>
+                <a:ea typeface="+mn-ea"/>
+                <a:cs typeface="+mn-cs"/>
+              </a:defRPr>
+            </a:lvl9pPr>
+          </a:lstStyle>
+          <a:p>
+            <a:pPr marL="0" marR="0" lvl="0" indent="0" algn="ctr" defTabSz="914400" rtl="0" eaLnBrk="1" fontAlgn="auto" latinLnBrk="0" hangingPunct="1">
+              <a:lnSpc>
+                <a:spcPct val="100000"/>
+              </a:lnSpc>
+              <a:spcBef>
+                <a:spcPts val="0"/>
+              </a:spcBef>
+              <a:spcAft>
+                <a:spcPts val="0"/>
+              </a:spcAft>
+              <a:buClrTx/>
+              <a:buSzTx/>
+              <a:buFontTx/>
+              <a:buNone/>
+              <a:tabLst/>
+              <a:defRPr/>
+            </a:pPr>
+            <a:r>
+              <a:rPr kumimoji="0" lang="en-US" altLang="zh-CN" sz="4000" b="1" i="0" u="none" strike="noStrike" kern="1200" cap="none" spc="0" normalizeH="0" baseline="0" noProof="0" dirty="0">
+                <a:ln>
+                  <a:noFill/>
+                </a:ln>
+                <a:solidFill>
+                  <a:prstClr val="white"/>
+                </a:solidFill>
+                <a:effectLst/>
+                <a:uLnTx/>
+                <a:uFillTx/>
+                <a:latin typeface="微软雅黑" panose="020B0503020204020204" pitchFamily="34" charset="-122"/>
+                <a:ea typeface="微软雅黑" panose="020B0503020204020204" pitchFamily="34" charset="-122"/>
+                <a:sym typeface="FZHei-B01S" panose="02010601030101010101" pitchFamily="2" charset="-122"/>
+              </a:rPr>
+              <a:t>  </a:t>
+            </a:r>
+            <a:r>
+              <a:rPr kumimoji="0" lang="en-US" altLang="zh-CN" sz="11500" b="0" i="0" u="none" strike="noStrike" kern="1200" cap="none" spc="0" normalizeH="0" baseline="0" noProof="0" dirty="0">
+                <a:ln>
+                  <a:noFill/>
+                </a:ln>
+                <a:solidFill>
+                  <a:prstClr val="white"/>
+                </a:solidFill>
+                <a:effectLst/>
+                <a:uLnTx/>
+                <a:uFillTx/>
+                <a:latin typeface="微软雅黑" panose="020B0503020204020204" pitchFamily="34" charset="-122"/>
+                <a:ea typeface="微软雅黑" panose="020B0503020204020204" pitchFamily="34" charset="-122"/>
+                <a:sym typeface="FZHei-B01S" panose="02010601030101010101" pitchFamily="2" charset="-122"/>
+              </a:rPr>
+              <a:t>03</a:t>
+            </a:r>
+            <a:endParaRPr kumimoji="0" lang="en-US" altLang="zh-CN" sz="8800" b="0" i="0" u="none" strike="noStrike" kern="1200" cap="none" spc="0" normalizeH="0" baseline="0" noProof="0" dirty="0">
+              <a:ln>
+                <a:noFill/>
+              </a:ln>
+              <a:solidFill>
+                <a:prstClr val="white"/>
+              </a:solidFill>
+              <a:effectLst/>
+              <a:uLnTx/>
+              <a:uFillTx/>
+              <a:latin typeface="微软雅黑" panose="020B0503020204020204" pitchFamily="34" charset="-122"/>
+              <a:ea typeface="微软雅黑" panose="020B0503020204020204" pitchFamily="34" charset="-122"/>
+              <a:sym typeface="FZHei-B01S" panose="02010601030101010101" pitchFamily="2" charset="-122"/>
+            </a:endParaRPr>
+          </a:p>
+        </p:txBody>
+      </p:sp>
+      <p:sp>
+        <p:nvSpPr>
+          <p:cNvPr id="28" name="文本框 27">
+            <a:extLst>
+              <a:ext uri="{FF2B5EF4-FFF2-40B4-BE49-F238E27FC236}">
+                <a16:creationId xmlns:a16="http://schemas.microsoft.com/office/drawing/2014/main" id="{76FFCCEE-AB62-4D88-BA81-758E88DC65F0}"/>
+              </a:ext>
+            </a:extLst>
+          </p:cNvPr>
+          <p:cNvSpPr txBox="1"/>
+          <p:nvPr/>
+        </p:nvSpPr>
+        <p:spPr>
+          <a:xfrm>
+            <a:off x="328121" y="2941997"/>
+            <a:ext cx="3032550" cy="1569660"/>
+          </a:xfrm>
+          <a:prstGeom prst="rect">
+            <a:avLst/>
+          </a:prstGeom>
+          <a:noFill/>
+        </p:spPr>
+        <p:txBody>
+          <a:bodyPr wrap="square" rtlCol="0">
+            <a:spAutoFit/>
+          </a:bodyPr>
+          <a:lstStyle>
+            <a:defPPr>
+              <a:defRPr lang="zh-CN"/>
+            </a:defPPr>
+            <a:lvl1pPr marL="0" algn="l" defTabSz="914400" rtl="0" eaLnBrk="1" latinLnBrk="0" hangingPunct="1">
+              <a:defRPr sz="1800" kern="1200">
+                <a:solidFill>
+                  <a:schemeClr val="tx1"/>
+                </a:solidFill>
+                <a:latin typeface="+mn-lt"/>
+                <a:ea typeface="+mn-ea"/>
+                <a:cs typeface="+mn-cs"/>
+              </a:defRPr>
+            </a:lvl1pPr>
+            <a:lvl2pPr marL="457200" algn="l" defTabSz="914400" rtl="0" eaLnBrk="1" latinLnBrk="0" hangingPunct="1">
+              <a:defRPr sz="1800" kern="1200">
+                <a:solidFill>
+                  <a:schemeClr val="tx1"/>
+                </a:solidFill>
+                <a:latin typeface="+mn-lt"/>
+                <a:ea typeface="+mn-ea"/>
+                <a:cs typeface="+mn-cs"/>
+              </a:defRPr>
+            </a:lvl2pPr>
+            <a:lvl3pPr marL="914400" algn="l" defTabSz="914400" rtl="0" eaLnBrk="1" latinLnBrk="0" hangingPunct="1">
+              <a:defRPr sz="1800" kern="1200">
+                <a:solidFill>
+                  <a:schemeClr val="tx1"/>
+                </a:solidFill>
+                <a:latin typeface="+mn-lt"/>
+                <a:ea typeface="+mn-ea"/>
+                <a:cs typeface="+mn-cs"/>
+              </a:defRPr>
+            </a:lvl3pPr>
+            <a:lvl4pPr marL="1371600" algn="l" defTabSz="914400" rtl="0" eaLnBrk="1" latinLnBrk="0" hangingPunct="1">
+              <a:defRPr sz="1800" kern="1200">
+                <a:solidFill>
+                  <a:schemeClr val="tx1"/>
+                </a:solidFill>
+                <a:latin typeface="+mn-lt"/>
+                <a:ea typeface="+mn-ea"/>
+                <a:cs typeface="+mn-cs"/>
+              </a:defRPr>
+            </a:lvl4pPr>
+            <a:lvl5pPr marL="1828800" algn="l" defTabSz="914400" rtl="0" eaLnBrk="1" latinLnBrk="0" hangingPunct="1">
+              <a:defRPr sz="1800" kern="1200">
+                <a:solidFill>
+                  <a:schemeClr val="tx1"/>
+                </a:solidFill>
+                <a:latin typeface="+mn-lt"/>
+                <a:ea typeface="+mn-ea"/>
+                <a:cs typeface="+mn-cs"/>
+              </a:defRPr>
+            </a:lvl5pPr>
+            <a:lvl6pPr marL="2286000" algn="l" defTabSz="914400" rtl="0" eaLnBrk="1" latinLnBrk="0" hangingPunct="1">
+              <a:defRPr sz="1800" kern="1200">
+                <a:solidFill>
+                  <a:schemeClr val="tx1"/>
+                </a:solidFill>
+                <a:latin typeface="+mn-lt"/>
+                <a:ea typeface="+mn-ea"/>
+                <a:cs typeface="+mn-cs"/>
+              </a:defRPr>
+            </a:lvl6pPr>
+            <a:lvl7pPr marL="2743200" algn="l" defTabSz="914400" rtl="0" eaLnBrk="1" latinLnBrk="0" hangingPunct="1">
+              <a:defRPr sz="1800" kern="1200">
+                <a:solidFill>
+                  <a:schemeClr val="tx1"/>
+                </a:solidFill>
+                <a:latin typeface="+mn-lt"/>
+                <a:ea typeface="+mn-ea"/>
+                <a:cs typeface="+mn-cs"/>
+              </a:defRPr>
+            </a:lvl7pPr>
+            <a:lvl8pPr marL="3200400" algn="l" defTabSz="914400" rtl="0" eaLnBrk="1" latinLnBrk="0" hangingPunct="1">
+              <a:defRPr sz="1800" kern="1200">
+                <a:solidFill>
+                  <a:schemeClr val="tx1"/>
+                </a:solidFill>
+                <a:latin typeface="+mn-lt"/>
+                <a:ea typeface="+mn-ea"/>
+                <a:cs typeface="+mn-cs"/>
+              </a:defRPr>
+            </a:lvl8pPr>
+            <a:lvl9pPr marL="3657600" algn="l" defTabSz="914400" rtl="0" eaLnBrk="1" latinLnBrk="0" hangingPunct="1">
+              <a:defRPr sz="1800" kern="1200">
+                <a:solidFill>
+                  <a:schemeClr val="tx1"/>
+                </a:solidFill>
+                <a:latin typeface="+mn-lt"/>
+                <a:ea typeface="+mn-ea"/>
+                <a:cs typeface="+mn-cs"/>
+              </a:defRPr>
+            </a:lvl9pPr>
+          </a:lstStyle>
+          <a:p>
+            <a:pPr algn="ctr"/>
+            <a:r>
+              <a:rPr kumimoji="1" lang="zh-CN" altLang="en-US" sz="4800" dirty="0">
+                <a:solidFill>
+                  <a:schemeClr val="tx1">
+                    <a:lumMod val="85000"/>
+                    <a:lumOff val="15000"/>
+                  </a:schemeClr>
+                </a:solidFill>
+                <a:latin typeface="微软雅黑" panose="020B0503020204020204" pitchFamily="34" charset="-122"/>
+                <a:ea typeface="微软雅黑" panose="020B0503020204020204" pitchFamily="34" charset="-122"/>
+                <a:cs typeface="+mn-ea"/>
+                <a:sym typeface="FZHei-B01S" panose="02010601030101010101" pitchFamily="2" charset="-122"/>
+              </a:rPr>
+              <a:t>项目文档管理</a:t>
+            </a:r>
+          </a:p>
+        </p:txBody>
+      </p:sp>
+    </p:spTree>
+    <p:extLst>
+      <p:ext uri="{BB962C8B-B14F-4D97-AF65-F5344CB8AC3E}">
+        <p14:creationId xmlns:p14="http://schemas.microsoft.com/office/powerpoint/2010/main" val="977557438"/>
+      </p:ext>
+    </p:extLst>
+  </p:cSld>
+  <p:clrMapOvr>
+    <a:masterClrMapping/>
+  </p:clrMapOvr>
+  <p:transition spd="med">
+    <p:cover/>
+  </p:transition>
+</p:sld>
+</file>
+
+<file path=ppt/slides/slide15.xml><?xml version="1.0" encoding="utf-8"?>
+<p:sld xmlns:a="http://schemas.openxmlformats.org/drawingml/2006/main" xmlns:r="http://schemas.openxmlformats.org/officeDocument/2006/relationships" xmlns:p="http://schemas.openxmlformats.org/presentationml/2006/main">
+  <p:cSld>
+    <p:spTree>
+      <p:nvGrpSpPr>
+        <p:cNvPr id="1" name=""/>
+        <p:cNvGrpSpPr/>
+        <p:nvPr/>
+      </p:nvGrpSpPr>
+      <p:grpSpPr>
+        <a:xfrm>
+          <a:off x="0" y="0"/>
+          <a:ext cx="0" cy="0"/>
+          <a:chOff x="0" y="0"/>
+          <a:chExt cx="0" cy="0"/>
+        </a:xfrm>
+      </p:grpSpPr>
+      <p:sp>
+        <p:nvSpPr>
           <p:cNvPr id="21" name="矩形 20">
             <a:extLst>
               <a:ext uri="{FF2B5EF4-FFF2-40B4-BE49-F238E27FC236}">
@@ -13451,7 +14659,7 @@
         </p:nvSpPr>
         <p:spPr>
           <a:xfrm rot="2700000">
-            <a:off x="3497220" y="1200290"/>
+            <a:off x="755929" y="315819"/>
             <a:ext cx="648211" cy="648211"/>
           </a:xfrm>
           <a:prstGeom prst="rect">
@@ -13997,7 +15205,7 @@
         </p:nvSpPr>
         <p:spPr>
           <a:xfrm rot="2700000">
-            <a:off x="2883409" y="1332302"/>
+            <a:off x="1286266" y="262768"/>
             <a:ext cx="384187" cy="384187"/>
           </a:xfrm>
           <a:prstGeom prst="rect">
@@ -15079,197 +16287,6 @@
       </p:sp>
       <p:sp>
         <p:nvSpPr>
-          <p:cNvPr id="39" name="文本框 26">
-            <a:extLst>
-              <a:ext uri="{FF2B5EF4-FFF2-40B4-BE49-F238E27FC236}">
-                <a16:creationId xmlns:a16="http://schemas.microsoft.com/office/drawing/2014/main" id="{3DB42776-7159-4F4F-B2DD-E887EECBC1C1}"/>
-              </a:ext>
-            </a:extLst>
-          </p:cNvPr>
-          <p:cNvSpPr txBox="1"/>
-          <p:nvPr/>
-        </p:nvSpPr>
-        <p:spPr>
-          <a:xfrm>
-            <a:off x="217370" y="469884"/>
-            <a:ext cx="2220481" cy="1862048"/>
-          </a:xfrm>
-          <a:prstGeom prst="rect">
-            <a:avLst/>
-          </a:prstGeom>
-          <a:noFill/>
-          <a:effectLst/>
-        </p:spPr>
-        <p:txBody>
-          <a:bodyPr wrap="none" rtlCol="0">
-            <a:spAutoFit/>
-          </a:bodyPr>
-          <a:lstStyle>
-            <a:defPPr>
-              <a:defRPr lang="zh-CN"/>
-            </a:defPPr>
-            <a:lvl1pPr marL="0" algn="l" defTabSz="914400" rtl="0" eaLnBrk="1" latinLnBrk="0" hangingPunct="1">
-              <a:defRPr sz="1800" kern="1200">
-                <a:solidFill>
-                  <a:schemeClr val="tx1"/>
-                </a:solidFill>
-                <a:latin typeface="+mn-lt"/>
-                <a:ea typeface="+mn-ea"/>
-                <a:cs typeface="+mn-cs"/>
-              </a:defRPr>
-            </a:lvl1pPr>
-            <a:lvl2pPr marL="457200" algn="l" defTabSz="914400" rtl="0" eaLnBrk="1" latinLnBrk="0" hangingPunct="1">
-              <a:defRPr sz="1800" kern="1200">
-                <a:solidFill>
-                  <a:schemeClr val="tx1"/>
-                </a:solidFill>
-                <a:latin typeface="+mn-lt"/>
-                <a:ea typeface="+mn-ea"/>
-                <a:cs typeface="+mn-cs"/>
-              </a:defRPr>
-            </a:lvl2pPr>
-            <a:lvl3pPr marL="914400" algn="l" defTabSz="914400" rtl="0" eaLnBrk="1" latinLnBrk="0" hangingPunct="1">
-              <a:defRPr sz="1800" kern="1200">
-                <a:solidFill>
-                  <a:schemeClr val="tx1"/>
-                </a:solidFill>
-                <a:latin typeface="+mn-lt"/>
-                <a:ea typeface="+mn-ea"/>
-                <a:cs typeface="+mn-cs"/>
-              </a:defRPr>
-            </a:lvl3pPr>
-            <a:lvl4pPr marL="1371600" algn="l" defTabSz="914400" rtl="0" eaLnBrk="1" latinLnBrk="0" hangingPunct="1">
-              <a:defRPr sz="1800" kern="1200">
-                <a:solidFill>
-                  <a:schemeClr val="tx1"/>
-                </a:solidFill>
-                <a:latin typeface="+mn-lt"/>
-                <a:ea typeface="+mn-ea"/>
-                <a:cs typeface="+mn-cs"/>
-              </a:defRPr>
-            </a:lvl4pPr>
-            <a:lvl5pPr marL="1828800" algn="l" defTabSz="914400" rtl="0" eaLnBrk="1" latinLnBrk="0" hangingPunct="1">
-              <a:defRPr sz="1800" kern="1200">
-                <a:solidFill>
-                  <a:schemeClr val="tx1"/>
-                </a:solidFill>
-                <a:latin typeface="+mn-lt"/>
-                <a:ea typeface="+mn-ea"/>
-                <a:cs typeface="+mn-cs"/>
-              </a:defRPr>
-            </a:lvl5pPr>
-            <a:lvl6pPr marL="2286000" algn="l" defTabSz="914400" rtl="0" eaLnBrk="1" latinLnBrk="0" hangingPunct="1">
-              <a:defRPr sz="1800" kern="1200">
-                <a:solidFill>
-                  <a:schemeClr val="tx1"/>
-                </a:solidFill>
-                <a:latin typeface="+mn-lt"/>
-                <a:ea typeface="+mn-ea"/>
-                <a:cs typeface="+mn-cs"/>
-              </a:defRPr>
-            </a:lvl6pPr>
-            <a:lvl7pPr marL="2743200" algn="l" defTabSz="914400" rtl="0" eaLnBrk="1" latinLnBrk="0" hangingPunct="1">
-              <a:defRPr sz="1800" kern="1200">
-                <a:solidFill>
-                  <a:schemeClr val="tx1"/>
-                </a:solidFill>
-                <a:latin typeface="+mn-lt"/>
-                <a:ea typeface="+mn-ea"/>
-                <a:cs typeface="+mn-cs"/>
-              </a:defRPr>
-            </a:lvl7pPr>
-            <a:lvl8pPr marL="3200400" algn="l" defTabSz="914400" rtl="0" eaLnBrk="1" latinLnBrk="0" hangingPunct="1">
-              <a:defRPr sz="1800" kern="1200">
-                <a:solidFill>
-                  <a:schemeClr val="tx1"/>
-                </a:solidFill>
-                <a:latin typeface="+mn-lt"/>
-                <a:ea typeface="+mn-ea"/>
-                <a:cs typeface="+mn-cs"/>
-              </a:defRPr>
-            </a:lvl8pPr>
-            <a:lvl9pPr marL="3657600" algn="l" defTabSz="914400" rtl="0" eaLnBrk="1" latinLnBrk="0" hangingPunct="1">
-              <a:defRPr sz="1800" kern="1200">
-                <a:solidFill>
-                  <a:schemeClr val="tx1"/>
-                </a:solidFill>
-                <a:latin typeface="+mn-lt"/>
-                <a:ea typeface="+mn-ea"/>
-                <a:cs typeface="+mn-cs"/>
-              </a:defRPr>
-            </a:lvl9pPr>
-          </a:lstStyle>
-          <a:p>
-            <a:pPr marL="0" marR="0" lvl="0" indent="0" algn="ctr" defTabSz="914400" rtl="0" eaLnBrk="1" fontAlgn="auto" latinLnBrk="0" hangingPunct="1">
-              <a:lnSpc>
-                <a:spcPct val="100000"/>
-              </a:lnSpc>
-              <a:spcBef>
-                <a:spcPts val="0"/>
-              </a:spcBef>
-              <a:spcAft>
-                <a:spcPts val="0"/>
-              </a:spcAft>
-              <a:buClrTx/>
-              <a:buSzTx/>
-              <a:buFontTx/>
-              <a:buNone/>
-              <a:tabLst/>
-              <a:defRPr/>
-            </a:pPr>
-            <a:r>
-              <a:rPr kumimoji="0" lang="en-US" altLang="zh-CN" sz="4000" b="1" i="0" u="none" strike="noStrike" kern="1200" cap="none" spc="0" normalizeH="0" baseline="0" noProof="0" dirty="0">
-                <a:ln>
-                  <a:noFill/>
-                </a:ln>
-                <a:solidFill>
-                  <a:prstClr val="white"/>
-                </a:solidFill>
-                <a:effectLst/>
-                <a:uLnTx/>
-                <a:uFillTx/>
-                <a:latin typeface="微软雅黑" panose="020B0503020204020204" pitchFamily="34" charset="-122"/>
-                <a:ea typeface="微软雅黑" panose="020B0503020204020204" pitchFamily="34" charset="-122"/>
-                <a:sym typeface="FZHei-B01S" panose="02010601030101010101" pitchFamily="2" charset="-122"/>
-              </a:rPr>
-              <a:t>  </a:t>
-            </a:r>
-            <a:r>
-              <a:rPr kumimoji="0" lang="en-US" altLang="zh-CN" sz="11500" b="0" i="0" u="none" strike="noStrike" kern="1200" cap="none" spc="0" normalizeH="0" baseline="0" noProof="0" dirty="0">
-                <a:ln>
-                  <a:noFill/>
-                </a:ln>
-                <a:solidFill>
-                  <a:prstClr val="white"/>
-                </a:solidFill>
-                <a:effectLst/>
-                <a:uLnTx/>
-                <a:uFillTx/>
-                <a:latin typeface="微软雅黑" panose="020B0503020204020204" pitchFamily="34" charset="-122"/>
-                <a:ea typeface="微软雅黑" panose="020B0503020204020204" pitchFamily="34" charset="-122"/>
-                <a:sym typeface="FZHei-B01S" panose="02010601030101010101" pitchFamily="2" charset="-122"/>
-              </a:rPr>
-              <a:t>03</a:t>
-            </a:r>
-            <a:endParaRPr kumimoji="0" lang="en-US" altLang="zh-CN" sz="8800" b="0" i="0" u="none" strike="noStrike" kern="1200" cap="none" spc="0" normalizeH="0" baseline="0" noProof="0" dirty="0">
-              <a:ln>
-                <a:noFill/>
-              </a:ln>
-              <a:solidFill>
-                <a:prstClr val="white"/>
-              </a:solidFill>
-              <a:effectLst/>
-              <a:uLnTx/>
-              <a:uFillTx/>
-              <a:latin typeface="微软雅黑" panose="020B0503020204020204" pitchFamily="34" charset="-122"/>
-              <a:ea typeface="微软雅黑" panose="020B0503020204020204" pitchFamily="34" charset="-122"/>
-              <a:sym typeface="FZHei-B01S" panose="02010601030101010101" pitchFamily="2" charset="-122"/>
-            </a:endParaRPr>
-          </a:p>
-        </p:txBody>
-      </p:sp>
-      <p:sp>
-        <p:nvSpPr>
           <p:cNvPr id="41" name="文本框 27">
             <a:extLst>
               <a:ext uri="{FF2B5EF4-FFF2-40B4-BE49-F238E27FC236}">
@@ -15431,7 +16448,7 @@
         </p:blipFill>
         <p:spPr>
           <a:xfrm>
-            <a:off x="691870" y="2038413"/>
+            <a:off x="584955" y="1537079"/>
             <a:ext cx="10252899" cy="4364725"/>
           </a:xfrm>
           <a:prstGeom prst="rect">
@@ -15449,10 +16466,13 @@
   <p:clrMapOvr>
     <a:masterClrMapping/>
   </p:clrMapOvr>
+  <p:transition spd="med">
+    <p:cover/>
+  </p:transition>
 </p:sld>
 </file>
 
-<file path=ppt/slides/slide15.xml><?xml version="1.0" encoding="utf-8"?>
+<file path=ppt/slides/slide16.xml><?xml version="1.0" encoding="utf-8"?>
 <p:sld xmlns:a="http://schemas.openxmlformats.org/drawingml/2006/main" xmlns:r="http://schemas.openxmlformats.org/officeDocument/2006/relationships" xmlns:p="http://schemas.openxmlformats.org/presentationml/2006/main">
   <p:cSld>
     <p:spTree>
@@ -17633,10 +18653,13 @@
   <p:clrMapOvr>
     <a:masterClrMapping/>
   </p:clrMapOvr>
+  <p:transition spd="med">
+    <p:cover/>
+  </p:transition>
 </p:sld>
 </file>
 
-<file path=ppt/slides/slide16.xml><?xml version="1.0" encoding="utf-8"?>
+<file path=ppt/slides/slide17.xml><?xml version="1.0" encoding="utf-8"?>
 <p:sld xmlns:a="http://schemas.openxmlformats.org/drawingml/2006/main" xmlns:r="http://schemas.openxmlformats.org/officeDocument/2006/relationships" xmlns:p="http://schemas.openxmlformats.org/presentationml/2006/main">
   <p:cSld>
     <p:spTree>
@@ -17906,10 +18929,13 @@
   <p:clrMapOvr>
     <a:masterClrMapping/>
   </p:clrMapOvr>
+  <p:transition spd="med">
+    <p:cover/>
+  </p:transition>
 </p:sld>
 </file>
 
-<file path=ppt/slides/slide17.xml><?xml version="1.0" encoding="utf-8"?>
+<file path=ppt/slides/slide18.xml><?xml version="1.0" encoding="utf-8"?>
 <p:sld xmlns:a="http://schemas.openxmlformats.org/drawingml/2006/main" xmlns:r="http://schemas.openxmlformats.org/officeDocument/2006/relationships" xmlns:p="http://schemas.openxmlformats.org/presentationml/2006/main">
   <p:cSld>
     <p:spTree>
@@ -18179,10 +19205,13 @@
   <p:clrMapOvr>
     <a:masterClrMapping/>
   </p:clrMapOvr>
+  <p:transition spd="med">
+    <p:cover/>
+  </p:transition>
 </p:sld>
 </file>
 
-<file path=ppt/slides/slide18.xml><?xml version="1.0" encoding="utf-8"?>
+<file path=ppt/slides/slide19.xml><?xml version="1.0" encoding="utf-8"?>
 <p:sld xmlns:a="http://schemas.openxmlformats.org/drawingml/2006/main" xmlns:r="http://schemas.openxmlformats.org/officeDocument/2006/relationships" xmlns:p="http://schemas.openxmlformats.org/presentationml/2006/main">
   <p:cSld>
     <p:spTree>
@@ -19173,6 +20202,9 @@
   <p:clrMapOvr>
     <a:masterClrMapping/>
   </p:clrMapOvr>
+  <p:transition spd="med">
+    <p:cover/>
+  </p:transition>
 </p:sld>
 </file>
 
@@ -20178,7 +21210,7 @@
                   <a:cs typeface="+mn-ea"/>
                   <a:sym typeface="FZHei-B01S" panose="02010601030101010101" pitchFamily="2" charset="-122"/>
                 </a:rPr>
-                <a:t>经济决策</a:t>
+                <a:t>项目管理杂项</a:t>
               </a:r>
             </a:p>
           </p:txBody>
@@ -21396,6 +22428,9 @@
   <p:clrMapOvr>
     <a:masterClrMapping/>
   </p:clrMapOvr>
+  <p:transition spd="med">
+    <p:cover/>
+  </p:transition>
 </p:sld>
 </file>
 
@@ -23631,6 +24666,9 @@
   <p:clrMapOvr>
     <a:masterClrMapping/>
   </p:clrMapOvr>
+  <p:transition spd="med">
+    <p:cover/>
+  </p:transition>
 </p:sld>
 </file>
 
@@ -25162,6 +26200,9 @@
   <p:clrMapOvr>
     <a:masterClrMapping/>
   </p:clrMapOvr>
+  <p:transition spd="med">
+    <p:cover/>
+  </p:transition>
 </p:sld>
 </file>
 
@@ -25857,6 +26898,9 @@
   <p:clrMapOvr>
     <a:masterClrMapping/>
   </p:clrMapOvr>
+  <p:transition spd="med">
+    <p:cover/>
+  </p:transition>
 </p:sld>
 </file>
 
@@ -25928,20 +26972,13 @@
         </p:nvSpPr>
         <p:spPr>
           <a:xfrm>
-            <a:off x="3544478" y="365127"/>
-            <a:ext cx="7809322" cy="5811836"/>
+            <a:off x="3544478" y="551673"/>
+            <a:ext cx="7809322" cy="5625290"/>
           </a:xfrm>
         </p:spPr>
         <p:txBody>
           <a:bodyPr/>
           <a:lstStyle/>
-          <a:p>
-            <a:r>
-              <a:rPr lang="zh-CN" altLang="en-US" dirty="0"/>
-              <a:t>更改组织结构：由后端的唐同学写一个桌面图形窗口用于用户交互，刘同学负责画图</a:t>
-            </a:r>
-            <a:endParaRPr lang="en-US" altLang="zh-CN" dirty="0"/>
-          </a:p>
           <a:p>
             <a:r>
               <a:rPr lang="zh-CN" altLang="en-US" dirty="0"/>
@@ -25981,8 +27018,8 @@
         </p:blipFill>
         <p:spPr bwMode="auto">
           <a:xfrm>
-            <a:off x="914400" y="1954703"/>
-            <a:ext cx="8041063" cy="4351623"/>
+            <a:off x="914400" y="1168925"/>
+            <a:ext cx="9493050" cy="5137402"/>
           </a:xfrm>
           <a:prstGeom prst="rect">
             <a:avLst/>
@@ -26142,6 +27179,9 @@
   <p:clrMapOvr>
     <a:masterClrMapping/>
   </p:clrMapOvr>
+  <p:transition spd="med">
+    <p:cover/>
+  </p:transition>
 </p:sld>
 </file>
 
@@ -28326,6 +29366,9 @@
   <p:clrMapOvr>
     <a:masterClrMapping/>
   </p:clrMapOvr>
+  <p:transition spd="med">
+    <p:cover/>
+  </p:transition>
 </p:sld>
 </file>
 
@@ -28346,6 +29389,41 @@
           <a:chExt cx="0" cy="0"/>
         </a:xfrm>
       </p:grpSpPr>
+      <p:pic>
+        <p:nvPicPr>
+          <p:cNvPr id="18" name="图片 17">
+            <a:extLst>
+              <a:ext uri="{FF2B5EF4-FFF2-40B4-BE49-F238E27FC236}">
+                <a16:creationId xmlns:a16="http://schemas.microsoft.com/office/drawing/2014/main" id="{4F19EE79-E102-4BEA-BE83-FD9B3A94CD5D}"/>
+              </a:ext>
+            </a:extLst>
+          </p:cNvPr>
+          <p:cNvPicPr>
+            <a:picLocks noChangeAspect="1"/>
+          </p:cNvPicPr>
+          <p:nvPr/>
+        </p:nvPicPr>
+        <p:blipFill rotWithShape="1">
+          <a:blip r:embed="rId2">
+            <a:extLst>
+              <a:ext uri="{28A0092B-C50C-407E-A947-70E740481C1C}">
+                <a14:useLocalDpi xmlns:a14="http://schemas.microsoft.com/office/drawing/2010/main" val="0"/>
+              </a:ext>
+            </a:extLst>
+          </a:blip>
+          <a:srcRect t="25641" b="24000"/>
+          <a:stretch/>
+        </p:blipFill>
+        <p:spPr>
+          <a:xfrm>
+            <a:off x="82287" y="1697625"/>
+            <a:ext cx="11178031" cy="3176545"/>
+          </a:xfrm>
+          <a:prstGeom prst="rect">
+            <a:avLst/>
+          </a:prstGeom>
+        </p:spPr>
+      </p:pic>
       <p:sp>
         <p:nvSpPr>
           <p:cNvPr id="2" name="标题 1">
@@ -29075,41 +30153,6 @@
           </a:p>
         </p:txBody>
       </p:sp>
-      <p:pic>
-        <p:nvPicPr>
-          <p:cNvPr id="18" name="图片 17">
-            <a:extLst>
-              <a:ext uri="{FF2B5EF4-FFF2-40B4-BE49-F238E27FC236}">
-                <a16:creationId xmlns:a16="http://schemas.microsoft.com/office/drawing/2014/main" id="{4F19EE79-E102-4BEA-BE83-FD9B3A94CD5D}"/>
-              </a:ext>
-            </a:extLst>
-          </p:cNvPr>
-          <p:cNvPicPr>
-            <a:picLocks noChangeAspect="1"/>
-          </p:cNvPicPr>
-          <p:nvPr/>
-        </p:nvPicPr>
-        <p:blipFill rotWithShape="1">
-          <a:blip r:embed="rId2">
-            <a:extLst>
-              <a:ext uri="{28A0092B-C50C-407E-A947-70E740481C1C}">
-                <a14:useLocalDpi xmlns:a14="http://schemas.microsoft.com/office/drawing/2010/main" val="0"/>
-              </a:ext>
-            </a:extLst>
-          </a:blip>
-          <a:srcRect t="25641" b="24000"/>
-          <a:stretch/>
-        </p:blipFill>
-        <p:spPr>
-          <a:xfrm>
-            <a:off x="744718" y="1885873"/>
-            <a:ext cx="10515600" cy="2988297"/>
-          </a:xfrm>
-          <a:prstGeom prst="rect">
-            <a:avLst/>
-          </a:prstGeom>
-        </p:spPr>
-      </p:pic>
     </p:spTree>
     <p:extLst>
       <p:ext uri="{BB962C8B-B14F-4D97-AF65-F5344CB8AC3E}">
@@ -29120,6 +30163,9 @@
   <p:clrMapOvr>
     <a:masterClrMapping/>
   </p:clrMapOvr>
+  <p:transition spd="med">
+    <p:cover/>
+  </p:transition>
 </p:sld>
 </file>
 
@@ -29917,6 +30963,9 @@
   <p:clrMapOvr>
     <a:masterClrMapping/>
   </p:clrMapOvr>
+  <p:transition spd="med">
+    <p:cover/>
+  </p:transition>
 </p:sld>
 </file>
 
